--- a/09. SignalR/ASP.NET SignalR.pptx
+++ b/09. SignalR/ASP.NET SignalR.pptx
@@ -5,10 +5,10 @@
     <p:sldMasterId id="2147483672" r:id="rId1"/>
   </p:sldMasterIdLst>
   <p:notesMasterIdLst>
-    <p:notesMasterId r:id="rId31"/>
+    <p:notesMasterId r:id="rId30"/>
   </p:notesMasterIdLst>
   <p:handoutMasterIdLst>
-    <p:handoutMasterId r:id="rId32"/>
+    <p:handoutMasterId r:id="rId31"/>
   </p:handoutMasterIdLst>
   <p:sldIdLst>
     <p:sldId id="338" r:id="rId2"/>
@@ -38,13 +38,12 @@
     <p:sldId id="472" r:id="rId26"/>
     <p:sldId id="473" r:id="rId27"/>
     <p:sldId id="334" r:id="rId28"/>
-    <p:sldId id="450" r:id="rId29"/>
-    <p:sldId id="403" r:id="rId30"/>
+    <p:sldId id="403" r:id="rId29"/>
   </p:sldIdLst>
   <p:sldSz cx="9144000" cy="6858000" type="screen4x3"/>
   <p:notesSz cx="6881813" cy="9296400"/>
   <p:custDataLst>
-    <p:tags r:id="rId33"/>
+    <p:tags r:id="rId32"/>
   </p:custDataLst>
   <p:defaultTextStyle>
     <a:defPPr>
@@ -173,7 +172,7 @@
   </p:defaultTextStyle>
   <p:extLst>
     <p:ext uri="{EFAFB233-063F-42B5-8137-9DF3F51BA10A}">
-      <p15:sldGuideLst xmlns:p15="http://schemas.microsoft.com/office/powerpoint/2012/main" xmlns="">
+      <p15:sldGuideLst xmlns:p15="http://schemas.microsoft.com/office/powerpoint/2012/main">
         <p15:guide id="1" orient="horz" pos="2160">
           <p15:clr>
             <a:srgbClr val="A4A3A4"/>
@@ -187,7 +186,7 @@
       </p15:sldGuideLst>
     </p:ext>
     <p:ext uri="{2D200454-40CA-4A62-9FC3-DE9A4176ACB9}">
-      <p15:notesGuideLst xmlns:p15="http://schemas.microsoft.com/office/powerpoint/2012/main" xmlns="">
+      <p15:notesGuideLst xmlns:p15="http://schemas.microsoft.com/office/powerpoint/2012/main">
         <p15:guide id="1" orient="horz" pos="2928">
           <p15:clr>
             <a:srgbClr val="A4A3A4"/>
@@ -319,7 +318,7 @@
             <a:fld id="{3BF7C7B5-275F-4D1F-9AB4-9255447DBC73}" type="datetimeFigureOut">
               <a:rPr lang="en-US"/>
               <a:pPr/>
-              <a:t>11/7/2014</a:t>
+              <a:t>2/1/2016</a:t>
             </a:fld>
             <a:endParaRPr lang="en-US" dirty="0"/>
           </a:p>
@@ -550,7 +549,7 @@
             <a:fld id="{9B46F231-FB2B-4655-A644-E2477325E686}" type="datetimeFigureOut">
               <a:rPr lang="en-US"/>
               <a:pPr/>
-              <a:t>11/7/2014</a:t>
+              <a:t>2/1/2016</a:t>
             </a:fld>
             <a:endParaRPr lang="en-US" dirty="0"/>
           </a:p>
@@ -13194,41 +13193,7 @@
                 <a:latin typeface="Consolas" pitchFamily="49" charset="0"/>
                 <a:cs typeface="Consolas" pitchFamily="49" charset="0"/>
               </a:rPr>
-              <a:t>function </a:t>
-            </a:r>
-            <a:r>
-              <a:rPr lang="en-US" sz="2000" b="1" noProof="1">
-                <a:solidFill>
-                  <a:srgbClr val="8CF4F2"/>
-                </a:solidFill>
-                <a:effectLst>
-                  <a:outerShdw blurRad="38100" dist="38100" dir="2700000" algn="tl">
-                    <a:srgbClr val="000000">
-                      <a:alpha val="43137"/>
-                    </a:srgbClr>
-                  </a:outerShdw>
-                </a:effectLst>
-                <a:latin typeface="Consolas" pitchFamily="49" charset="0"/>
-                <a:cs typeface="Consolas" pitchFamily="49" charset="0"/>
-              </a:rPr>
-              <a:t>onNewMessage(message</a:t>
-            </a:r>
-            <a:r>
-              <a:rPr lang="en-US" sz="2000" b="1" noProof="1">
-                <a:solidFill>
-                  <a:srgbClr val="8CF4F2"/>
-                </a:solidFill>
-                <a:effectLst>
-                  <a:outerShdw blurRad="38100" dist="38100" dir="2700000" algn="tl">
-                    <a:srgbClr val="000000">
-                      <a:alpha val="43137"/>
-                    </a:srgbClr>
-                  </a:outerShdw>
-                </a:effectLst>
-                <a:latin typeface="Consolas" pitchFamily="49" charset="0"/>
-                <a:cs typeface="Consolas" pitchFamily="49" charset="0"/>
-              </a:rPr>
-              <a:t>) {</a:t>
+              <a:t>function onNewMessage(message) {</a:t>
             </a:r>
           </a:p>
           <a:p>
@@ -13545,170 +13510,6 @@
 </file>
 
 <file path=ppt/slides/slide28.xml><?xml version="1.0" encoding="utf-8"?>
-<p:sld xmlns:a="http://schemas.openxmlformats.org/drawingml/2006/main" xmlns:r="http://schemas.openxmlformats.org/officeDocument/2006/relationships" xmlns:p="http://schemas.openxmlformats.org/presentationml/2006/main">
-  <p:cSld>
-    <p:spTree>
-      <p:nvGrpSpPr>
-        <p:cNvPr id="1" name=""/>
-        <p:cNvGrpSpPr/>
-        <p:nvPr/>
-      </p:nvGrpSpPr>
-      <p:grpSpPr>
-        <a:xfrm>
-          <a:off x="0" y="0"/>
-          <a:ext cx="0" cy="0"/>
-          <a:chOff x="0" y="0"/>
-          <a:chExt cx="0" cy="0"/>
-        </a:xfrm>
-      </p:grpSpPr>
-      <p:sp>
-        <p:nvSpPr>
-          <p:cNvPr id="4" name="Title 3"/>
-          <p:cNvSpPr>
-            <a:spLocks noGrp="1"/>
-          </p:cNvSpPr>
-          <p:nvPr>
-            <p:ph type="title"/>
-          </p:nvPr>
-        </p:nvSpPr>
-        <p:spPr/>
-        <p:txBody>
-          <a:bodyPr/>
-          <a:lstStyle/>
-          <a:p>
-            <a:r>
-              <a:rPr lang="en-US" dirty="0" smtClean="0"/>
-              <a:t>Homework</a:t>
-            </a:r>
-            <a:endParaRPr lang="bg-BG" dirty="0"/>
-          </a:p>
-        </p:txBody>
-      </p:sp>
-      <p:sp>
-        <p:nvSpPr>
-          <p:cNvPr id="5" name="Content Placeholder 4"/>
-          <p:cNvSpPr>
-            <a:spLocks noGrp="1"/>
-          </p:cNvSpPr>
-          <p:nvPr>
-            <p:ph idx="1"/>
-          </p:nvPr>
-        </p:nvSpPr>
-        <p:spPr>
-          <a:xfrm>
-            <a:off x="228600" y="805343"/>
-            <a:ext cx="8686800" cy="5791200"/>
-          </a:xfrm>
-        </p:spPr>
-        <p:txBody>
-          <a:bodyPr/>
-          <a:lstStyle/>
-          <a:p>
-            <a:pPr marL="514350" indent="-514350">
-              <a:lnSpc>
-                <a:spcPct val="100000"/>
-              </a:lnSpc>
-              <a:spcBef>
-                <a:spcPts val="200"/>
-              </a:spcBef>
-              <a:spcAft>
-                <a:spcPts val="200"/>
-              </a:spcAft>
-              <a:buFont typeface="+mj-lt"/>
-              <a:buAutoNum type="arabicPeriod"/>
-            </a:pPr>
-            <a:r>
-              <a:rPr lang="en-US" sz="2800" dirty="0" smtClean="0"/>
-              <a:t>Create the </a:t>
-            </a:r>
-            <a:r>
-              <a:rPr lang="en-US" sz="2800" dirty="0" smtClean="0">
-                <a:solidFill>
-                  <a:schemeClr val="accent6">
-                    <a:lumMod val="20000"/>
-                    <a:lumOff val="80000"/>
-                  </a:schemeClr>
-                </a:solidFill>
-              </a:rPr>
-              <a:t>Ping Pong </a:t>
-            </a:r>
-            <a:r>
-              <a:rPr lang="en-US" sz="2800" dirty="0" smtClean="0"/>
-              <a:t>game for two players with </a:t>
-            </a:r>
-            <a:r>
-              <a:rPr lang="en-US" sz="2800" dirty="0" err="1" smtClean="0">
-                <a:solidFill>
-                  <a:schemeClr val="accent6">
-                    <a:lumMod val="20000"/>
-                    <a:lumOff val="80000"/>
-                  </a:schemeClr>
-                </a:solidFill>
-              </a:rPr>
-              <a:t>SignalR</a:t>
-            </a:r>
-            <a:r>
-              <a:rPr lang="en-US" sz="2800" dirty="0" smtClean="0"/>
-              <a:t>. You can use external libraries like </a:t>
-            </a:r>
-            <a:r>
-              <a:rPr lang="en-US" sz="2800" dirty="0" err="1" smtClean="0">
-                <a:hlinkClick r:id="rId2"/>
-              </a:rPr>
-              <a:t>CGWeb</a:t>
-            </a:r>
-            <a:r>
-              <a:rPr lang="en-US" sz="2800" dirty="0" smtClean="0"/>
-              <a:t>.</a:t>
-            </a:r>
-            <a:endParaRPr lang="en-US" sz="2600" dirty="0"/>
-          </a:p>
-        </p:txBody>
-      </p:sp>
-      <p:pic>
-        <p:nvPicPr>
-          <p:cNvPr id="2" name="Picture 1"/>
-          <p:cNvPicPr>
-            <a:picLocks noChangeAspect="1"/>
-          </p:cNvPicPr>
-          <p:nvPr/>
-        </p:nvPicPr>
-        <p:blipFill>
-          <a:blip r:embed="rId3">
-            <a:extLst>
-              <a:ext uri="{28A0092B-C50C-407E-A947-70E740481C1C}">
-                <a14:useLocalDpi xmlns:a14="http://schemas.microsoft.com/office/drawing/2010/main" val="0"/>
-              </a:ext>
-            </a:extLst>
-          </a:blip>
-          <a:stretch>
-            <a:fillRect/>
-          </a:stretch>
-        </p:blipFill>
-        <p:spPr>
-          <a:xfrm>
-            <a:off x="1905000" y="2209800"/>
-            <a:ext cx="5257800" cy="3737967"/>
-          </a:xfrm>
-          <a:prstGeom prst="roundRect">
-            <a:avLst/>
-          </a:prstGeom>
-        </p:spPr>
-      </p:pic>
-    </p:spTree>
-    <p:extLst>
-      <p:ext uri="{BB962C8B-B14F-4D97-AF65-F5344CB8AC3E}">
-        <p14:creationId xmlns:p14="http://schemas.microsoft.com/office/powerpoint/2010/main" val="2316758346"/>
-      </p:ext>
-    </p:extLst>
-  </p:cSld>
-  <p:clrMapOvr>
-    <a:masterClrMapping/>
-  </p:clrMapOvr>
-</p:sld>
-</file>
-
-<file path=ppt/slides/slide29.xml><?xml version="1.0" encoding="utf-8"?>
 <p:sld xmlns:a="http://schemas.openxmlformats.org/drawingml/2006/main" xmlns:r="http://schemas.openxmlformats.org/officeDocument/2006/relationships" xmlns:p="http://schemas.openxmlformats.org/presentationml/2006/main">
   <p:cSld>
     <p:spTree>
